--- a/PRESENTAZIONE_PROG/Presentazione Progetto banca.pptx
+++ b/PRESENTAZIONE_PROG/Presentazione Progetto banca.pptx
@@ -4426,21 +4426,8 @@
             <a:pPr algn="l"/>
             <a:r>
               <a:rPr lang="it-IT" dirty="0"/>
-              <a:t>Corso </a:t>
-            </a:r>
-            <a:r>
-              <a:rPr lang="it-IT" dirty="0" err="1"/>
-              <a:t>OfficinaJava</a:t>
-            </a:r>
-            <a:r>
-              <a:rPr lang="it-IT" dirty="0"/>
-              <a:t> </a:t>
-            </a:r>
-            <a:r>
-              <a:rPr lang="it-IT" dirty="0" err="1"/>
-              <a:t>Begear</a:t>
-            </a:r>
-            <a:endParaRPr lang="it-IT" dirty="0"/>
+              <a:t>Corso OfficinaJava Begear</a:t>
+            </a:r>
           </a:p>
         </p:txBody>
       </p:sp>
@@ -4550,15 +4537,7 @@
           <a:p>
             <a:r>
               <a:rPr lang="it-IT" dirty="0"/>
-              <a:t>Sviluppo di una web </a:t>
-            </a:r>
-            <a:r>
-              <a:rPr lang="it-IT" dirty="0" err="1"/>
-              <a:t>application</a:t>
-            </a:r>
-            <a:r>
-              <a:rPr lang="it-IT" dirty="0"/>
-              <a:t> in team di una banca che gestisce una collezione di conti correnti. L’applicazione consente di effettuare le seguenti operazioni:</a:t>
+              <a:t>Sviluppo di una web application in team di una banca che gestisce una collezione di conti correnti. L’applicazione consente di effettuare le seguenti operazioni:</a:t>
             </a:r>
           </a:p>
           <a:p>
@@ -4657,10 +4636,9 @@
               <a:buChar char="•"/>
             </a:pPr>
             <a:r>
-              <a:rPr lang="it-IT" dirty="0" err="1"/>
-              <a:t>Hibernete</a:t>
-            </a:r>
-            <a:endParaRPr lang="it-IT" dirty="0"/>
+              <a:rPr lang="it-IT" dirty="0"/>
+              <a:t>Hibernate</a:t>
+            </a:r>
           </a:p>
           <a:p>
             <a:pPr marL="285750" indent="-285750">
@@ -4679,7 +4657,7 @@
             </a:pPr>
             <a:r>
               <a:rPr lang="it-IT" dirty="0"/>
-              <a:t>Html5</a:t>
+              <a:t>HTML5</a:t>
             </a:r>
           </a:p>
           <a:p>
@@ -4689,7 +4667,7 @@
             </a:pPr>
             <a:r>
               <a:rPr lang="it-IT" dirty="0"/>
-              <a:t>Css3</a:t>
+              <a:t>CSS3</a:t>
             </a:r>
           </a:p>
           <a:p>
@@ -4698,10 +4676,9 @@
               <a:buChar char="•"/>
             </a:pPr>
             <a:r>
-              <a:rPr lang="it-IT" dirty="0" err="1"/>
+              <a:rPr lang="it-IT" dirty="0"/>
               <a:t>Javascript</a:t>
             </a:r>
-            <a:endParaRPr lang="it-IT" dirty="0"/>
           </a:p>
           <a:p>
             <a:pPr marL="285750" indent="-285750">
@@ -4719,10 +4696,9 @@
               <a:buChar char="•"/>
             </a:pPr>
             <a:r>
-              <a:rPr lang="it-IT" dirty="0" err="1"/>
+              <a:rPr lang="it-IT" dirty="0"/>
               <a:t>Maven</a:t>
             </a:r>
-            <a:endParaRPr lang="it-IT" dirty="0"/>
           </a:p>
           <a:p>
             <a:pPr marL="285750" indent="-285750">
@@ -4730,10 +4706,9 @@
               <a:buChar char="•"/>
             </a:pPr>
             <a:r>
-              <a:rPr lang="it-IT" dirty="0" err="1"/>
-              <a:t>Github</a:t>
-            </a:r>
-            <a:endParaRPr lang="it-IT" dirty="0"/>
+              <a:rPr lang="it-IT" dirty="0"/>
+              <a:t>GitHub</a:t>
+            </a:r>
           </a:p>
           <a:p>
             <a:pPr marL="285750" indent="-285750">
@@ -4741,12 +4716,8 @@
               <a:buChar char="•"/>
             </a:pPr>
             <a:r>
-              <a:rPr lang="it-IT" dirty="0" err="1"/>
+              <a:rPr lang="it-IT" dirty="0"/>
               <a:t>JUnit</a:t>
-            </a:r>
-            <a:r>
-              <a:rPr lang="it-IT" dirty="0"/>
-              <a:t>.</a:t>
             </a:r>
           </a:p>
         </p:txBody>
@@ -5058,15 +5029,7 @@
           <a:p>
             <a:r>
               <a:rPr lang="it-IT" dirty="0"/>
-              <a:t>Nella sezione di </a:t>
-            </a:r>
-            <a:r>
-              <a:rPr lang="it-IT" dirty="0" err="1"/>
-              <a:t>HomePage</a:t>
-            </a:r>
-            <a:r>
-              <a:rPr lang="it-IT" dirty="0"/>
-              <a:t>, l’utente deve scegliere cosa fare in base alla lista di operazioni visualizzata.</a:t>
+              <a:t>Nella sezione di HomePage, l’utente deve scegliere cosa fare in base alla lista di operazioni visualizzata.</a:t>
             </a:r>
           </a:p>
         </p:txBody>

--- a/PRESENTAZIONE_PROG/Presentazione Progetto banca.pptx
+++ b/PRESENTAZIONE_PROG/Presentazione Progetto banca.pptx
@@ -279,7 +279,7 @@
           <a:p>
             <a:fld id="{76969C88-B244-455D-A017-012B25B1ACDD}" type="datetimeFigureOut">
               <a:rPr lang="en-US" smtClean="0"/>
-              <a:t>1/7/2021</a:t>
+              <a:t>1/11/2021</a:t>
             </a:fld>
             <a:endParaRPr lang="en-US"/>
           </a:p>
@@ -477,7 +477,7 @@
           <a:p>
             <a:fld id="{76969C88-B244-455D-A017-012B25B1ACDD}" type="datetimeFigureOut">
               <a:rPr lang="en-US" smtClean="0"/>
-              <a:t>1/7/2021</a:t>
+              <a:t>1/11/2021</a:t>
             </a:fld>
             <a:endParaRPr lang="en-US"/>
           </a:p>
@@ -685,7 +685,7 @@
           <a:p>
             <a:fld id="{76969C88-B244-455D-A017-012B25B1ACDD}" type="datetimeFigureOut">
               <a:rPr lang="en-US" smtClean="0"/>
-              <a:t>1/7/2021</a:t>
+              <a:t>1/11/2021</a:t>
             </a:fld>
             <a:endParaRPr lang="en-US"/>
           </a:p>
@@ -884,7 +884,7 @@
           <a:p>
             <a:fld id="{76969C88-B244-455D-A017-012B25B1ACDD}" type="datetimeFigureOut">
               <a:rPr lang="en-US" smtClean="0"/>
-              <a:t>1/7/2021</a:t>
+              <a:t>1/11/2021</a:t>
             </a:fld>
             <a:endParaRPr lang="en-US"/>
           </a:p>
@@ -1159,7 +1159,7 @@
           <a:p>
             <a:fld id="{76969C88-B244-455D-A017-012B25B1ACDD}" type="datetimeFigureOut">
               <a:rPr lang="en-US" smtClean="0"/>
-              <a:t>1/7/2021</a:t>
+              <a:t>1/11/2021</a:t>
             </a:fld>
             <a:endParaRPr lang="en-US"/>
           </a:p>
@@ -1424,7 +1424,7 @@
           <a:p>
             <a:fld id="{76969C88-B244-455D-A017-012B25B1ACDD}" type="datetimeFigureOut">
               <a:rPr lang="en-US" smtClean="0"/>
-              <a:t>1/7/2021</a:t>
+              <a:t>1/11/2021</a:t>
             </a:fld>
             <a:endParaRPr lang="en-US"/>
           </a:p>
@@ -1836,7 +1836,7 @@
           <a:p>
             <a:fld id="{76969C88-B244-455D-A017-012B25B1ACDD}" type="datetimeFigureOut">
               <a:rPr lang="en-US" smtClean="0"/>
-              <a:t>1/7/2021</a:t>
+              <a:t>1/11/2021</a:t>
             </a:fld>
             <a:endParaRPr lang="en-US"/>
           </a:p>
@@ -1977,7 +1977,7 @@
           <a:p>
             <a:fld id="{76969C88-B244-455D-A017-012B25B1ACDD}" type="datetimeFigureOut">
               <a:rPr lang="en-US" smtClean="0"/>
-              <a:t>1/7/2021</a:t>
+              <a:t>1/11/2021</a:t>
             </a:fld>
             <a:endParaRPr lang="en-US"/>
           </a:p>
@@ -2090,7 +2090,7 @@
           <a:p>
             <a:fld id="{76969C88-B244-455D-A017-012B25B1ACDD}" type="datetimeFigureOut">
               <a:rPr lang="en-US" smtClean="0"/>
-              <a:t>1/7/2021</a:t>
+              <a:t>1/11/2021</a:t>
             </a:fld>
             <a:endParaRPr lang="en-US"/>
           </a:p>
@@ -2402,7 +2402,7 @@
           <a:p>
             <a:fld id="{76969C88-B244-455D-A017-012B25B1ACDD}" type="datetimeFigureOut">
               <a:rPr lang="en-US" smtClean="0"/>
-              <a:t>1/7/2021</a:t>
+              <a:t>1/11/2021</a:t>
             </a:fld>
             <a:endParaRPr lang="en-US"/>
           </a:p>
@@ -2693,7 +2693,7 @@
           <a:p>
             <a:fld id="{76969C88-B244-455D-A017-012B25B1ACDD}" type="datetimeFigureOut">
               <a:rPr lang="en-US" smtClean="0"/>
-              <a:t>1/7/2021</a:t>
+              <a:t>1/11/2021</a:t>
             </a:fld>
             <a:endParaRPr lang="en-US"/>
           </a:p>
@@ -3449,7 +3449,7 @@
             <a:fld id="{76969C88-B244-455D-A017-012B25B1ACDD}" type="datetimeFigureOut">
               <a:rPr lang="en-US" smtClean="0"/>
               <a:pPr/>
-              <a:t>1/7/2021</a:t>
+              <a:t>1/11/2021</a:t>
             </a:fld>
             <a:endParaRPr lang="en-US"/>
           </a:p>
@@ -5571,12 +5571,47 @@
           </a:p>
         </p:txBody>
       </p:sp>
+      <p:sp>
+        <p:nvSpPr>
+          <p:cNvPr id="5" name="CasellaDiTesto 4">
+            <a:extLst>
+              <a:ext uri="{FF2B5EF4-FFF2-40B4-BE49-F238E27FC236}">
+                <a16:creationId xmlns:a16="http://schemas.microsoft.com/office/drawing/2014/main" id="{31B43C45-ABD9-41B5-B11F-7D12104382DE}"/>
+              </a:ext>
+            </a:extLst>
+          </p:cNvPr>
+          <p:cNvSpPr txBox="1"/>
+          <p:nvPr/>
+        </p:nvSpPr>
+        <p:spPr>
+          <a:xfrm>
+            <a:off x="8507896" y="2815971"/>
+            <a:ext cx="3445565" cy="1477328"/>
+          </a:xfrm>
+          <a:prstGeom prst="rect">
+            <a:avLst/>
+          </a:prstGeom>
+          <a:noFill/>
+        </p:spPr>
+        <p:txBody>
+          <a:bodyPr wrap="square" rtlCol="0">
+            <a:spAutoFit/>
+          </a:bodyPr>
+          <a:lstStyle/>
+          <a:p>
+            <a:r>
+              <a:rPr lang="it-IT" dirty="0"/>
+              <a:t>Nella sezione Lista Persone viene visualizzata la lista contenente il numero di persone che hanno un conto aperto, con i relativi dati</a:t>
+            </a:r>
+          </a:p>
+        </p:txBody>
+      </p:sp>
       <p:pic>
         <p:nvPicPr>
-          <p:cNvPr id="4" name="Immagine 3">
-            <a:extLst>
-              <a:ext uri="{FF2B5EF4-FFF2-40B4-BE49-F238E27FC236}">
-                <a16:creationId xmlns:a16="http://schemas.microsoft.com/office/drawing/2014/main" id="{AA575F1A-89ED-49D6-B132-015397E2CB4F}"/>
+          <p:cNvPr id="6" name="Immagine 5" descr="Immagine che contiene tavolo&#10;&#10;Descrizione generata automaticamente">
+            <a:extLst>
+              <a:ext uri="{FF2B5EF4-FFF2-40B4-BE49-F238E27FC236}">
+                <a16:creationId xmlns:a16="http://schemas.microsoft.com/office/drawing/2014/main" id="{22525834-8588-4F60-A0E2-695E38079CF9}"/>
               </a:ext>
             </a:extLst>
           </p:cNvPr>
@@ -5599,8 +5634,8 @@
         </p:blipFill>
         <p:spPr>
           <a:xfrm>
-            <a:off x="548248" y="1079532"/>
-            <a:ext cx="7504135" cy="4950207"/>
+            <a:off x="476249" y="1335090"/>
+            <a:ext cx="7688219" cy="4187819"/>
           </a:xfrm>
           <a:prstGeom prst="round2DiagRect">
             <a:avLst>
@@ -5623,41 +5658,6 @@
           </a:effectLst>
         </p:spPr>
       </p:pic>
-      <p:sp>
-        <p:nvSpPr>
-          <p:cNvPr id="5" name="CasellaDiTesto 4">
-            <a:extLst>
-              <a:ext uri="{FF2B5EF4-FFF2-40B4-BE49-F238E27FC236}">
-                <a16:creationId xmlns:a16="http://schemas.microsoft.com/office/drawing/2014/main" id="{31B43C45-ABD9-41B5-B11F-7D12104382DE}"/>
-              </a:ext>
-            </a:extLst>
-          </p:cNvPr>
-          <p:cNvSpPr txBox="1"/>
-          <p:nvPr/>
-        </p:nvSpPr>
-        <p:spPr>
-          <a:xfrm>
-            <a:off x="8507896" y="2815971"/>
-            <a:ext cx="3445565" cy="1477328"/>
-          </a:xfrm>
-          <a:prstGeom prst="rect">
-            <a:avLst/>
-          </a:prstGeom>
-          <a:noFill/>
-        </p:spPr>
-        <p:txBody>
-          <a:bodyPr wrap="square" rtlCol="0">
-            <a:spAutoFit/>
-          </a:bodyPr>
-          <a:lstStyle/>
-          <a:p>
-            <a:r>
-              <a:rPr lang="it-IT" dirty="0"/>
-              <a:t>Nella sezione Lista Persone viene visualizzata la lista contenente il numero di persone che hanno un conto aperto, con i relativi dati</a:t>
-            </a:r>
-          </a:p>
-        </p:txBody>
-      </p:sp>
     </p:spTree>
     <p:extLst>
       <p:ext uri="{BB962C8B-B14F-4D97-AF65-F5344CB8AC3E}">
@@ -5764,10 +5764,10 @@
       </p:sp>
       <p:pic>
         <p:nvPicPr>
-          <p:cNvPr id="6" name="Immagine 5">
-            <a:extLst>
-              <a:ext uri="{FF2B5EF4-FFF2-40B4-BE49-F238E27FC236}">
-                <a16:creationId xmlns:a16="http://schemas.microsoft.com/office/drawing/2014/main" id="{12505D66-0591-46EF-B3FC-0588142283C8}"/>
+          <p:cNvPr id="4" name="Immagine 3" descr="Immagine che contiene tavolo&#10;&#10;Descrizione generata automaticamente">
+            <a:extLst>
+              <a:ext uri="{FF2B5EF4-FFF2-40B4-BE49-F238E27FC236}">
+                <a16:creationId xmlns:a16="http://schemas.microsoft.com/office/drawing/2014/main" id="{B97F496B-B75E-445E-A752-9C01DE5DB451}"/>
               </a:ext>
             </a:extLst>
           </p:cNvPr>
@@ -5790,8 +5790,8 @@
         </p:blipFill>
         <p:spPr>
           <a:xfrm>
-            <a:off x="509528" y="1143103"/>
-            <a:ext cx="7593359" cy="5019157"/>
+            <a:off x="344557" y="1593880"/>
+            <a:ext cx="7658720" cy="4197305"/>
           </a:xfrm>
           <a:prstGeom prst="round2DiagRect">
             <a:avLst>

--- a/PRESENTAZIONE_PROG/Presentazione Progetto banca.pptx
+++ b/PRESENTAZIONE_PROG/Presentazione Progetto banca.pptx
@@ -5259,12 +5259,47 @@
           </a:p>
         </p:txBody>
       </p:sp>
+      <p:sp>
+        <p:nvSpPr>
+          <p:cNvPr id="5" name="CasellaDiTesto 4">
+            <a:extLst>
+              <a:ext uri="{FF2B5EF4-FFF2-40B4-BE49-F238E27FC236}">
+                <a16:creationId xmlns:a16="http://schemas.microsoft.com/office/drawing/2014/main" id="{FCF7EFCF-9B92-4713-BD3C-6F60B736E131}"/>
+              </a:ext>
+            </a:extLst>
+          </p:cNvPr>
+          <p:cNvSpPr txBox="1"/>
+          <p:nvPr/>
+        </p:nvSpPr>
+        <p:spPr>
+          <a:xfrm>
+            <a:off x="8362121" y="1204905"/>
+            <a:ext cx="3458818" cy="3693319"/>
+          </a:xfrm>
+          <a:prstGeom prst="rect">
+            <a:avLst/>
+          </a:prstGeom>
+          <a:noFill/>
+        </p:spPr>
+        <p:txBody>
+          <a:bodyPr wrap="square" rtlCol="0">
+            <a:spAutoFit/>
+          </a:bodyPr>
+          <a:lstStyle/>
+          <a:p>
+            <a:r>
+              <a:rPr lang="it-IT" dirty="0"/>
+              <a:t>Una volta creato il conto (di una persona fisica in questo caso), per effettuare il deposito non si deve far altro che inserire il codice fiscale dell’utente che ha creato il conto in precedenza. Una volta effettuata la ricerca, verranno visualizzati tutti i campi relativi alla persona. Da qui non bisogna far altro che inserire l’importo da depositare e cliccare su conferma</a:t>
+            </a:r>
+          </a:p>
+        </p:txBody>
+      </p:sp>
       <p:pic>
         <p:nvPicPr>
-          <p:cNvPr id="4" name="Immagine 3">
-            <a:extLst>
-              <a:ext uri="{FF2B5EF4-FFF2-40B4-BE49-F238E27FC236}">
-                <a16:creationId xmlns:a16="http://schemas.microsoft.com/office/drawing/2014/main" id="{A9735DCE-21C9-4425-A4E9-DF4C67B34ADD}"/>
+          <p:cNvPr id="6" name="Immagine 5">
+            <a:extLst>
+              <a:ext uri="{FF2B5EF4-FFF2-40B4-BE49-F238E27FC236}">
+                <a16:creationId xmlns:a16="http://schemas.microsoft.com/office/drawing/2014/main" id="{9BD65137-B5AE-4EC0-A184-D6447B7599F3}"/>
               </a:ext>
             </a:extLst>
           </p:cNvPr>
@@ -5287,8 +5322,8 @@
         </p:blipFill>
         <p:spPr>
           <a:xfrm>
-            <a:off x="530088" y="1185548"/>
-            <a:ext cx="7605176" cy="5009843"/>
+            <a:off x="357808" y="1204905"/>
+            <a:ext cx="7633252" cy="4260628"/>
           </a:xfrm>
           <a:prstGeom prst="round2DiagRect">
             <a:avLst>
@@ -5311,41 +5346,6 @@
           </a:effectLst>
         </p:spPr>
       </p:pic>
-      <p:sp>
-        <p:nvSpPr>
-          <p:cNvPr id="5" name="CasellaDiTesto 4">
-            <a:extLst>
-              <a:ext uri="{FF2B5EF4-FFF2-40B4-BE49-F238E27FC236}">
-                <a16:creationId xmlns:a16="http://schemas.microsoft.com/office/drawing/2014/main" id="{FCF7EFCF-9B92-4713-BD3C-6F60B736E131}"/>
-              </a:ext>
-            </a:extLst>
-          </p:cNvPr>
-          <p:cNvSpPr txBox="1"/>
-          <p:nvPr/>
-        </p:nvSpPr>
-        <p:spPr>
-          <a:xfrm>
-            <a:off x="8362121" y="1204905"/>
-            <a:ext cx="3458818" cy="3693319"/>
-          </a:xfrm>
-          <a:prstGeom prst="rect">
-            <a:avLst/>
-          </a:prstGeom>
-          <a:noFill/>
-        </p:spPr>
-        <p:txBody>
-          <a:bodyPr wrap="square" rtlCol="0">
-            <a:spAutoFit/>
-          </a:bodyPr>
-          <a:lstStyle/>
-          <a:p>
-            <a:r>
-              <a:rPr lang="it-IT" dirty="0"/>
-              <a:t>Una volta creato il conto (di una persona fisica in questo caso), per effettuare il deposito non si deve far altro che inserire il codice fiscale dell’utente che ha creato il conto in precedenza. Una volta effettuata la ricerca, verranno visualizzati tutti i campi relativi alla persona. Da qui non bisogna far altro che inserire l’importo da depositare e cliccare su conferma</a:t>
-            </a:r>
-          </a:p>
-        </p:txBody>
-      </p:sp>
     </p:spTree>
     <p:extLst>
       <p:ext uri="{BB962C8B-B14F-4D97-AF65-F5344CB8AC3E}">
@@ -5415,12 +5415,47 @@
           </a:p>
         </p:txBody>
       </p:sp>
+      <p:sp>
+        <p:nvSpPr>
+          <p:cNvPr id="5" name="CasellaDiTesto 4">
+            <a:extLst>
+              <a:ext uri="{FF2B5EF4-FFF2-40B4-BE49-F238E27FC236}">
+                <a16:creationId xmlns:a16="http://schemas.microsoft.com/office/drawing/2014/main" id="{88D9DE32-7EAD-484C-9A8F-EA8CD145DF9E}"/>
+              </a:ext>
+            </a:extLst>
+          </p:cNvPr>
+          <p:cNvSpPr txBox="1"/>
+          <p:nvPr/>
+        </p:nvSpPr>
+        <p:spPr>
+          <a:xfrm>
+            <a:off x="8110330" y="2684618"/>
+            <a:ext cx="3750366" cy="1754326"/>
+          </a:xfrm>
+          <a:prstGeom prst="rect">
+            <a:avLst/>
+          </a:prstGeom>
+          <a:noFill/>
+        </p:spPr>
+        <p:txBody>
+          <a:bodyPr wrap="square" rtlCol="0">
+            <a:spAutoFit/>
+          </a:bodyPr>
+          <a:lstStyle/>
+          <a:p>
+            <a:r>
+              <a:rPr lang="it-IT" dirty="0"/>
+              <a:t>Prima di effettuare il prelievo, bisogna andare a selezionare la persona che ha aperto il conto. Una volta effettuata la ricerca, tutti i dati verranno visualizzati con il saldo relativo della persona. </a:t>
+            </a:r>
+          </a:p>
+        </p:txBody>
+      </p:sp>
       <p:pic>
         <p:nvPicPr>
-          <p:cNvPr id="4" name="Immagine 3">
-            <a:extLst>
-              <a:ext uri="{FF2B5EF4-FFF2-40B4-BE49-F238E27FC236}">
-                <a16:creationId xmlns:a16="http://schemas.microsoft.com/office/drawing/2014/main" id="{9D16ACCC-88A2-47DD-AEB4-18A200CB674B}"/>
+          <p:cNvPr id="6" name="Immagine 5">
+            <a:extLst>
+              <a:ext uri="{FF2B5EF4-FFF2-40B4-BE49-F238E27FC236}">
+                <a16:creationId xmlns:a16="http://schemas.microsoft.com/office/drawing/2014/main" id="{D1FB9C76-ADB5-4E8E-981C-6BF5496EE90E}"/>
               </a:ext>
             </a:extLst>
           </p:cNvPr>
@@ -5443,8 +5478,8 @@
         </p:blipFill>
         <p:spPr>
           <a:xfrm>
-            <a:off x="516834" y="1186587"/>
-            <a:ext cx="7287989" cy="4750388"/>
+            <a:off x="516834" y="1167534"/>
+            <a:ext cx="7259970" cy="4833153"/>
           </a:xfrm>
           <a:prstGeom prst="round2DiagRect">
             <a:avLst>
@@ -5467,41 +5502,6 @@
           </a:effectLst>
         </p:spPr>
       </p:pic>
-      <p:sp>
-        <p:nvSpPr>
-          <p:cNvPr id="5" name="CasellaDiTesto 4">
-            <a:extLst>
-              <a:ext uri="{FF2B5EF4-FFF2-40B4-BE49-F238E27FC236}">
-                <a16:creationId xmlns:a16="http://schemas.microsoft.com/office/drawing/2014/main" id="{88D9DE32-7EAD-484C-9A8F-EA8CD145DF9E}"/>
-              </a:ext>
-            </a:extLst>
-          </p:cNvPr>
-          <p:cNvSpPr txBox="1"/>
-          <p:nvPr/>
-        </p:nvSpPr>
-        <p:spPr>
-          <a:xfrm>
-            <a:off x="8110330" y="2684618"/>
-            <a:ext cx="3750366" cy="1754326"/>
-          </a:xfrm>
-          <a:prstGeom prst="rect">
-            <a:avLst/>
-          </a:prstGeom>
-          <a:noFill/>
-        </p:spPr>
-        <p:txBody>
-          <a:bodyPr wrap="square" rtlCol="0">
-            <a:spAutoFit/>
-          </a:bodyPr>
-          <a:lstStyle/>
-          <a:p>
-            <a:r>
-              <a:rPr lang="it-IT" dirty="0"/>
-              <a:t>Prima di effettuare il prelievo, bisogna andare a selezionare la persona che ha aperto il conto. Una volta effettuata la ricerca, tutti i dati verranno visualizzati con il saldo relativo della persona. </a:t>
-            </a:r>
-          </a:p>
-        </p:txBody>
-      </p:sp>
     </p:spTree>
     <p:extLst>
       <p:ext uri="{BB962C8B-B14F-4D97-AF65-F5344CB8AC3E}">
@@ -5608,10 +5608,10 @@
       </p:sp>
       <p:pic>
         <p:nvPicPr>
-          <p:cNvPr id="6" name="Immagine 5" descr="Immagine che contiene tavolo&#10;&#10;Descrizione generata automaticamente">
-            <a:extLst>
-              <a:ext uri="{FF2B5EF4-FFF2-40B4-BE49-F238E27FC236}">
-                <a16:creationId xmlns:a16="http://schemas.microsoft.com/office/drawing/2014/main" id="{22525834-8588-4F60-A0E2-695E38079CF9}"/>
+          <p:cNvPr id="4" name="Immagine 3">
+            <a:extLst>
+              <a:ext uri="{FF2B5EF4-FFF2-40B4-BE49-F238E27FC236}">
+                <a16:creationId xmlns:a16="http://schemas.microsoft.com/office/drawing/2014/main" id="{36018873-3ED1-494D-A92F-7854C3CA37D9}"/>
               </a:ext>
             </a:extLst>
           </p:cNvPr>
@@ -5634,8 +5634,8 @@
         </p:blipFill>
         <p:spPr>
           <a:xfrm>
-            <a:off x="476249" y="1335090"/>
-            <a:ext cx="7688219" cy="4187819"/>
+            <a:off x="445448" y="1287582"/>
+            <a:ext cx="7818454" cy="4282836"/>
           </a:xfrm>
           <a:prstGeom prst="round2DiagRect">
             <a:avLst>
@@ -5764,10 +5764,10 @@
       </p:sp>
       <p:pic>
         <p:nvPicPr>
-          <p:cNvPr id="4" name="Immagine 3" descr="Immagine che contiene tavolo&#10;&#10;Descrizione generata automaticamente">
-            <a:extLst>
-              <a:ext uri="{FF2B5EF4-FFF2-40B4-BE49-F238E27FC236}">
-                <a16:creationId xmlns:a16="http://schemas.microsoft.com/office/drawing/2014/main" id="{B97F496B-B75E-445E-A752-9C01DE5DB451}"/>
+          <p:cNvPr id="6" name="Immagine 5">
+            <a:extLst>
+              <a:ext uri="{FF2B5EF4-FFF2-40B4-BE49-F238E27FC236}">
+                <a16:creationId xmlns:a16="http://schemas.microsoft.com/office/drawing/2014/main" id="{ABB1E488-EFB9-4B21-992D-A042102D8D97}"/>
               </a:ext>
             </a:extLst>
           </p:cNvPr>
@@ -5790,8 +5790,8 @@
         </p:blipFill>
         <p:spPr>
           <a:xfrm>
-            <a:off x="344557" y="1593880"/>
-            <a:ext cx="7658720" cy="4197305"/>
+            <a:off x="456519" y="1710099"/>
+            <a:ext cx="7644637" cy="3964868"/>
           </a:xfrm>
           <a:prstGeom prst="round2DiagRect">
             <a:avLst>

--- a/PRESENTAZIONE_PROG/Presentazione Progetto banca.pptx
+++ b/PRESENTAZIONE_PROG/Presentazione Progetto banca.pptx
@@ -5452,10 +5452,10 @@
       </p:sp>
       <p:pic>
         <p:nvPicPr>
-          <p:cNvPr id="6" name="Immagine 5">
-            <a:extLst>
-              <a:ext uri="{FF2B5EF4-FFF2-40B4-BE49-F238E27FC236}">
-                <a16:creationId xmlns:a16="http://schemas.microsoft.com/office/drawing/2014/main" id="{D1FB9C76-ADB5-4E8E-981C-6BF5496EE90E}"/>
+          <p:cNvPr id="4" name="Immagine 3">
+            <a:extLst>
+              <a:ext uri="{FF2B5EF4-FFF2-40B4-BE49-F238E27FC236}">
+                <a16:creationId xmlns:a16="http://schemas.microsoft.com/office/drawing/2014/main" id="{29B67B60-78FF-44F7-BCC0-713D2D7224DA}"/>
               </a:ext>
             </a:extLst>
           </p:cNvPr>
@@ -5478,8 +5478,8 @@
         </p:blipFill>
         <p:spPr>
           <a:xfrm>
-            <a:off x="516834" y="1167534"/>
-            <a:ext cx="7259970" cy="4833153"/>
+            <a:off x="351184" y="1438000"/>
+            <a:ext cx="7460974" cy="4270764"/>
           </a:xfrm>
           <a:prstGeom prst="round2DiagRect">
             <a:avLst>

--- a/PRESENTAZIONE_PROG/Presentazione Progetto banca.pptx
+++ b/PRESENTAZIONE_PROG/Presentazione Progetto banca.pptx
@@ -279,7 +279,7 @@
           <a:p>
             <a:fld id="{76969C88-B244-455D-A017-012B25B1ACDD}" type="datetimeFigureOut">
               <a:rPr lang="en-US" smtClean="0"/>
-              <a:t>1/11/2021</a:t>
+              <a:t>1/12/2021</a:t>
             </a:fld>
             <a:endParaRPr lang="en-US"/>
           </a:p>
@@ -477,7 +477,7 @@
           <a:p>
             <a:fld id="{76969C88-B244-455D-A017-012B25B1ACDD}" type="datetimeFigureOut">
               <a:rPr lang="en-US" smtClean="0"/>
-              <a:t>1/11/2021</a:t>
+              <a:t>1/12/2021</a:t>
             </a:fld>
             <a:endParaRPr lang="en-US"/>
           </a:p>
@@ -685,7 +685,7 @@
           <a:p>
             <a:fld id="{76969C88-B244-455D-A017-012B25B1ACDD}" type="datetimeFigureOut">
               <a:rPr lang="en-US" smtClean="0"/>
-              <a:t>1/11/2021</a:t>
+              <a:t>1/12/2021</a:t>
             </a:fld>
             <a:endParaRPr lang="en-US"/>
           </a:p>
@@ -884,7 +884,7 @@
           <a:p>
             <a:fld id="{76969C88-B244-455D-A017-012B25B1ACDD}" type="datetimeFigureOut">
               <a:rPr lang="en-US" smtClean="0"/>
-              <a:t>1/11/2021</a:t>
+              <a:t>1/12/2021</a:t>
             </a:fld>
             <a:endParaRPr lang="en-US"/>
           </a:p>
@@ -1159,7 +1159,7 @@
           <a:p>
             <a:fld id="{76969C88-B244-455D-A017-012B25B1ACDD}" type="datetimeFigureOut">
               <a:rPr lang="en-US" smtClean="0"/>
-              <a:t>1/11/2021</a:t>
+              <a:t>1/12/2021</a:t>
             </a:fld>
             <a:endParaRPr lang="en-US"/>
           </a:p>
@@ -1424,7 +1424,7 @@
           <a:p>
             <a:fld id="{76969C88-B244-455D-A017-012B25B1ACDD}" type="datetimeFigureOut">
               <a:rPr lang="en-US" smtClean="0"/>
-              <a:t>1/11/2021</a:t>
+              <a:t>1/12/2021</a:t>
             </a:fld>
             <a:endParaRPr lang="en-US"/>
           </a:p>
@@ -1836,7 +1836,7 @@
           <a:p>
             <a:fld id="{76969C88-B244-455D-A017-012B25B1ACDD}" type="datetimeFigureOut">
               <a:rPr lang="en-US" smtClean="0"/>
-              <a:t>1/11/2021</a:t>
+              <a:t>1/12/2021</a:t>
             </a:fld>
             <a:endParaRPr lang="en-US"/>
           </a:p>
@@ -1977,7 +1977,7 @@
           <a:p>
             <a:fld id="{76969C88-B244-455D-A017-012B25B1ACDD}" type="datetimeFigureOut">
               <a:rPr lang="en-US" smtClean="0"/>
-              <a:t>1/11/2021</a:t>
+              <a:t>1/12/2021</a:t>
             </a:fld>
             <a:endParaRPr lang="en-US"/>
           </a:p>
@@ -2090,7 +2090,7 @@
           <a:p>
             <a:fld id="{76969C88-B244-455D-A017-012B25B1ACDD}" type="datetimeFigureOut">
               <a:rPr lang="en-US" smtClean="0"/>
-              <a:t>1/11/2021</a:t>
+              <a:t>1/12/2021</a:t>
             </a:fld>
             <a:endParaRPr lang="en-US"/>
           </a:p>
@@ -2402,7 +2402,7 @@
           <a:p>
             <a:fld id="{76969C88-B244-455D-A017-012B25B1ACDD}" type="datetimeFigureOut">
               <a:rPr lang="en-US" smtClean="0"/>
-              <a:t>1/11/2021</a:t>
+              <a:t>1/12/2021</a:t>
             </a:fld>
             <a:endParaRPr lang="en-US"/>
           </a:p>
@@ -2693,7 +2693,7 @@
           <a:p>
             <a:fld id="{76969C88-B244-455D-A017-012B25B1ACDD}" type="datetimeFigureOut">
               <a:rPr lang="en-US" smtClean="0"/>
-              <a:t>1/11/2021</a:t>
+              <a:t>1/12/2021</a:t>
             </a:fld>
             <a:endParaRPr lang="en-US"/>
           </a:p>
@@ -3449,7 +3449,7 @@
             <a:fld id="{76969C88-B244-455D-A017-012B25B1ACDD}" type="datetimeFigureOut">
               <a:rPr lang="en-US" smtClean="0"/>
               <a:pPr/>
-              <a:t>1/11/2021</a:t>
+              <a:t>1/12/2021</a:t>
             </a:fld>
             <a:endParaRPr lang="en-US"/>
           </a:p>
@@ -5608,10 +5608,10 @@
       </p:sp>
       <p:pic>
         <p:nvPicPr>
-          <p:cNvPr id="4" name="Immagine 3">
-            <a:extLst>
-              <a:ext uri="{FF2B5EF4-FFF2-40B4-BE49-F238E27FC236}">
-                <a16:creationId xmlns:a16="http://schemas.microsoft.com/office/drawing/2014/main" id="{36018873-3ED1-494D-A92F-7854C3CA37D9}"/>
+          <p:cNvPr id="6" name="Immagine 5">
+            <a:extLst>
+              <a:ext uri="{FF2B5EF4-FFF2-40B4-BE49-F238E27FC236}">
+                <a16:creationId xmlns:a16="http://schemas.microsoft.com/office/drawing/2014/main" id="{5FAFD08B-B544-40A5-99DE-62BB5356FF8C}"/>
               </a:ext>
             </a:extLst>
           </p:cNvPr>
@@ -5634,8 +5634,8 @@
         </p:blipFill>
         <p:spPr>
           <a:xfrm>
-            <a:off x="445448" y="1287582"/>
-            <a:ext cx="7818454" cy="4282836"/>
+            <a:off x="516835" y="1647973"/>
+            <a:ext cx="7712765" cy="3750394"/>
           </a:xfrm>
           <a:prstGeom prst="round2DiagRect">
             <a:avLst>

--- a/PRESENTAZIONE_PROG/Presentazione Progetto banca.pptx
+++ b/PRESENTAZIONE_PROG/Presentazione Progetto banca.pptx
@@ -8,12 +8,13 @@
     <p:sldId id="256" r:id="rId2"/>
     <p:sldId id="257" r:id="rId3"/>
     <p:sldId id="258" r:id="rId4"/>
-    <p:sldId id="259" r:id="rId5"/>
-    <p:sldId id="260" r:id="rId6"/>
-    <p:sldId id="261" r:id="rId7"/>
-    <p:sldId id="262" r:id="rId8"/>
-    <p:sldId id="263" r:id="rId9"/>
-    <p:sldId id="264" r:id="rId10"/>
+    <p:sldId id="265" r:id="rId5"/>
+    <p:sldId id="259" r:id="rId6"/>
+    <p:sldId id="260" r:id="rId7"/>
+    <p:sldId id="261" r:id="rId8"/>
+    <p:sldId id="262" r:id="rId9"/>
+    <p:sldId id="263" r:id="rId10"/>
+    <p:sldId id="264" r:id="rId11"/>
   </p:sldIdLst>
   <p:sldSz cx="12192000" cy="6858000"/>
   <p:notesSz cx="6858000" cy="9144000"/>
@@ -4480,6 +4481,162 @@
 </p:sld>
 </file>
 
+<file path=ppt/slides/slide10.xml><?xml version="1.0" encoding="utf-8"?>
+<p:sld xmlns:a="http://schemas.openxmlformats.org/drawingml/2006/main" xmlns:r="http://schemas.openxmlformats.org/officeDocument/2006/relationships" xmlns:p="http://schemas.openxmlformats.org/presentationml/2006/main">
+  <p:cSld>
+    <p:spTree>
+      <p:nvGrpSpPr>
+        <p:cNvPr id="1" name=""/>
+        <p:cNvGrpSpPr/>
+        <p:nvPr/>
+      </p:nvGrpSpPr>
+      <p:grpSpPr>
+        <a:xfrm>
+          <a:off x="0" y="0"/>
+          <a:ext cx="0" cy="0"/>
+          <a:chOff x="0" y="0"/>
+          <a:chExt cx="0" cy="0"/>
+        </a:xfrm>
+      </p:grpSpPr>
+      <p:sp>
+        <p:nvSpPr>
+          <p:cNvPr id="2" name="CasellaDiTesto 1">
+            <a:extLst>
+              <a:ext uri="{FF2B5EF4-FFF2-40B4-BE49-F238E27FC236}">
+                <a16:creationId xmlns:a16="http://schemas.microsoft.com/office/drawing/2014/main" id="{02CB6C37-A0EA-4F51-AFDD-BA4F96148F2B}"/>
+              </a:ext>
+            </a:extLst>
+          </p:cNvPr>
+          <p:cNvSpPr txBox="1"/>
+          <p:nvPr/>
+        </p:nvSpPr>
+        <p:spPr>
+          <a:xfrm>
+            <a:off x="509528" y="358673"/>
+            <a:ext cx="5950226" cy="369332"/>
+          </a:xfrm>
+          <a:prstGeom prst="rect">
+            <a:avLst/>
+          </a:prstGeom>
+          <a:noFill/>
+        </p:spPr>
+        <p:txBody>
+          <a:bodyPr wrap="square" rtlCol="0">
+            <a:spAutoFit/>
+          </a:bodyPr>
+          <a:lstStyle/>
+          <a:p>
+            <a:r>
+              <a:rPr lang="it-IT" b="1" dirty="0">
+                <a:solidFill>
+                  <a:srgbClr val="FFFF00"/>
+                </a:solidFill>
+              </a:rPr>
+              <a:t>Lista movimenti</a:t>
+            </a:r>
+          </a:p>
+        </p:txBody>
+      </p:sp>
+      <p:sp>
+        <p:nvSpPr>
+          <p:cNvPr id="5" name="CasellaDiTesto 4">
+            <a:extLst>
+              <a:ext uri="{FF2B5EF4-FFF2-40B4-BE49-F238E27FC236}">
+                <a16:creationId xmlns:a16="http://schemas.microsoft.com/office/drawing/2014/main" id="{B22E87BE-E6E2-4AD9-BBB9-2ECC0BEDA635}"/>
+              </a:ext>
+            </a:extLst>
+          </p:cNvPr>
+          <p:cNvSpPr txBox="1"/>
+          <p:nvPr/>
+        </p:nvSpPr>
+        <p:spPr>
+          <a:xfrm>
+            <a:off x="8362122" y="3092369"/>
+            <a:ext cx="3485321" cy="1200329"/>
+          </a:xfrm>
+          <a:prstGeom prst="rect">
+            <a:avLst/>
+          </a:prstGeom>
+          <a:noFill/>
+        </p:spPr>
+        <p:txBody>
+          <a:bodyPr wrap="square" rtlCol="0">
+            <a:spAutoFit/>
+          </a:bodyPr>
+          <a:lstStyle/>
+          <a:p>
+            <a:r>
+              <a:rPr lang="it-IT" dirty="0"/>
+              <a:t>In lista movimenti, vengono visualizzati tutti i prelievi e depositi effettuati da persone o aziende</a:t>
+            </a:r>
+          </a:p>
+        </p:txBody>
+      </p:sp>
+      <p:pic>
+        <p:nvPicPr>
+          <p:cNvPr id="6" name="Immagine 5">
+            <a:extLst>
+              <a:ext uri="{FF2B5EF4-FFF2-40B4-BE49-F238E27FC236}">
+                <a16:creationId xmlns:a16="http://schemas.microsoft.com/office/drawing/2014/main" id="{ABB1E488-EFB9-4B21-992D-A042102D8D97}"/>
+              </a:ext>
+            </a:extLst>
+          </p:cNvPr>
+          <p:cNvPicPr>
+            <a:picLocks noChangeAspect="1"/>
+          </p:cNvPicPr>
+          <p:nvPr/>
+        </p:nvPicPr>
+        <p:blipFill>
+          <a:blip r:embed="rId2">
+            <a:extLst>
+              <a:ext uri="{28A0092B-C50C-407E-A947-70E740481C1C}">
+                <a14:useLocalDpi xmlns:a14="http://schemas.microsoft.com/office/drawing/2010/main" val="0"/>
+              </a:ext>
+            </a:extLst>
+          </a:blip>
+          <a:stretch>
+            <a:fillRect/>
+          </a:stretch>
+        </p:blipFill>
+        <p:spPr>
+          <a:xfrm>
+            <a:off x="456519" y="1710099"/>
+            <a:ext cx="7644637" cy="3964868"/>
+          </a:xfrm>
+          <a:prstGeom prst="round2DiagRect">
+            <a:avLst>
+              <a:gd name="adj1" fmla="val 16667"/>
+              <a:gd name="adj2" fmla="val 0"/>
+            </a:avLst>
+          </a:prstGeom>
+          <a:ln w="88900" cap="sq">
+            <a:solidFill>
+              <a:srgbClr val="FFFFFF"/>
+            </a:solidFill>
+            <a:miter lim="800000"/>
+          </a:ln>
+          <a:effectLst>
+            <a:outerShdw blurRad="254000" algn="tl" rotWithShape="0">
+              <a:srgbClr val="000000">
+                <a:alpha val="43000"/>
+              </a:srgbClr>
+            </a:outerShdw>
+          </a:effectLst>
+        </p:spPr>
+      </p:pic>
+    </p:spTree>
+    <p:extLst>
+      <p:ext uri="{BB962C8B-B14F-4D97-AF65-F5344CB8AC3E}">
+        <p14:creationId xmlns:p14="http://schemas.microsoft.com/office/powerpoint/2010/main" val="266938441"/>
+      </p:ext>
+    </p:extLst>
+  </p:cSld>
+  <p:clrMapOvr>
+    <a:masterClrMapping/>
+  </p:clrMapOvr>
+</p:sld>
+</file>
+
 <file path=ppt/slides/slide2.xml><?xml version="1.0" encoding="utf-8"?>
 <p:sld xmlns:a="http://schemas.openxmlformats.org/drawingml/2006/main" xmlns:r="http://schemas.openxmlformats.org/officeDocument/2006/relationships" xmlns:p="http://schemas.openxmlformats.org/presentationml/2006/main">
   <p:cSld>
@@ -4910,6 +5067,359 @@
       </p:grpSpPr>
       <p:sp>
         <p:nvSpPr>
+          <p:cNvPr id="8" name="Titolo 7">
+            <a:extLst>
+              <a:ext uri="{FF2B5EF4-FFF2-40B4-BE49-F238E27FC236}">
+                <a16:creationId xmlns:a16="http://schemas.microsoft.com/office/drawing/2014/main" id="{6C576507-4F2E-4FDF-B288-062DDD78D783}"/>
+              </a:ext>
+            </a:extLst>
+          </p:cNvPr>
+          <p:cNvSpPr>
+            <a:spLocks noGrp="1"/>
+          </p:cNvSpPr>
+          <p:nvPr>
+            <p:ph type="title"/>
+          </p:nvPr>
+        </p:nvSpPr>
+        <p:spPr>
+          <a:xfrm>
+            <a:off x="593001" y="0"/>
+            <a:ext cx="1700797" cy="428625"/>
+          </a:xfrm>
+        </p:spPr>
+        <p:txBody>
+          <a:bodyPr>
+            <a:normAutofit/>
+          </a:bodyPr>
+          <a:lstStyle/>
+          <a:p>
+            <a:r>
+              <a:rPr lang="it-IT" sz="1800" b="1" dirty="0">
+                <a:solidFill>
+                  <a:srgbClr val="FFFF00"/>
+                </a:solidFill>
+              </a:rPr>
+              <a:t>Codice</a:t>
+            </a:r>
+          </a:p>
+        </p:txBody>
+      </p:sp>
+      <p:pic>
+        <p:nvPicPr>
+          <p:cNvPr id="10" name="Immagine 9">
+            <a:extLst>
+              <a:ext uri="{FF2B5EF4-FFF2-40B4-BE49-F238E27FC236}">
+                <a16:creationId xmlns:a16="http://schemas.microsoft.com/office/drawing/2014/main" id="{CEAC5406-A1F9-4AAF-BB27-FF914BA9379C}"/>
+              </a:ext>
+            </a:extLst>
+          </p:cNvPr>
+          <p:cNvPicPr>
+            <a:picLocks noChangeAspect="1"/>
+          </p:cNvPicPr>
+          <p:nvPr/>
+        </p:nvPicPr>
+        <p:blipFill>
+          <a:blip r:embed="rId2">
+            <a:extLst>
+              <a:ext uri="{28A0092B-C50C-407E-A947-70E740481C1C}">
+                <a14:useLocalDpi xmlns:a14="http://schemas.microsoft.com/office/drawing/2010/main" val="0"/>
+              </a:ext>
+            </a:extLst>
+          </a:blip>
+          <a:stretch>
+            <a:fillRect/>
+          </a:stretch>
+        </p:blipFill>
+        <p:spPr>
+          <a:xfrm>
+            <a:off x="3086100" y="511175"/>
+            <a:ext cx="3921634" cy="1873784"/>
+          </a:xfrm>
+          <a:prstGeom prst="rect">
+            <a:avLst/>
+          </a:prstGeom>
+        </p:spPr>
+      </p:pic>
+      <p:sp>
+        <p:nvSpPr>
+          <p:cNvPr id="11" name="CasellaDiTesto 10">
+            <a:extLst>
+              <a:ext uri="{FF2B5EF4-FFF2-40B4-BE49-F238E27FC236}">
+                <a16:creationId xmlns:a16="http://schemas.microsoft.com/office/drawing/2014/main" id="{A684F305-82D5-4316-B335-328F79D84CD1}"/>
+              </a:ext>
+            </a:extLst>
+          </p:cNvPr>
+          <p:cNvSpPr txBox="1"/>
+          <p:nvPr/>
+        </p:nvSpPr>
+        <p:spPr>
+          <a:xfrm>
+            <a:off x="3016250" y="158234"/>
+            <a:ext cx="3657600" cy="369332"/>
+          </a:xfrm>
+          <a:prstGeom prst="rect">
+            <a:avLst/>
+          </a:prstGeom>
+          <a:noFill/>
+        </p:spPr>
+        <p:txBody>
+          <a:bodyPr wrap="square" rtlCol="0">
+            <a:spAutoFit/>
+          </a:bodyPr>
+          <a:lstStyle/>
+          <a:p>
+            <a:r>
+              <a:rPr lang="it-IT" dirty="0"/>
+              <a:t>Controller</a:t>
+            </a:r>
+          </a:p>
+        </p:txBody>
+      </p:sp>
+      <p:pic>
+        <p:nvPicPr>
+          <p:cNvPr id="13" name="Immagine 12">
+            <a:extLst>
+              <a:ext uri="{FF2B5EF4-FFF2-40B4-BE49-F238E27FC236}">
+                <a16:creationId xmlns:a16="http://schemas.microsoft.com/office/drawing/2014/main" id="{CE1F6C97-3A75-40C3-B296-4FA52ACBDE3C}"/>
+              </a:ext>
+            </a:extLst>
+          </p:cNvPr>
+          <p:cNvPicPr>
+            <a:picLocks noChangeAspect="1"/>
+          </p:cNvPicPr>
+          <p:nvPr/>
+        </p:nvPicPr>
+        <p:blipFill>
+          <a:blip r:embed="rId3">
+            <a:extLst>
+              <a:ext uri="{28A0092B-C50C-407E-A947-70E740481C1C}">
+                <a14:useLocalDpi xmlns:a14="http://schemas.microsoft.com/office/drawing/2010/main" val="0"/>
+              </a:ext>
+            </a:extLst>
+          </a:blip>
+          <a:stretch>
+            <a:fillRect/>
+          </a:stretch>
+        </p:blipFill>
+        <p:spPr>
+          <a:xfrm>
+            <a:off x="3086100" y="4210962"/>
+            <a:ext cx="7162351" cy="2415263"/>
+          </a:xfrm>
+          <a:prstGeom prst="rect">
+            <a:avLst/>
+          </a:prstGeom>
+        </p:spPr>
+      </p:pic>
+      <p:pic>
+        <p:nvPicPr>
+          <p:cNvPr id="15" name="Immagine 14">
+            <a:extLst>
+              <a:ext uri="{FF2B5EF4-FFF2-40B4-BE49-F238E27FC236}">
+                <a16:creationId xmlns:a16="http://schemas.microsoft.com/office/drawing/2014/main" id="{5CB07D2B-259D-4AEF-BD54-D5F444C3F088}"/>
+              </a:ext>
+            </a:extLst>
+          </p:cNvPr>
+          <p:cNvPicPr>
+            <a:picLocks noChangeAspect="1"/>
+          </p:cNvPicPr>
+          <p:nvPr/>
+        </p:nvPicPr>
+        <p:blipFill>
+          <a:blip r:embed="rId4">
+            <a:extLst>
+              <a:ext uri="{28A0092B-C50C-407E-A947-70E740481C1C}">
+                <a14:useLocalDpi xmlns:a14="http://schemas.microsoft.com/office/drawing/2010/main" val="0"/>
+              </a:ext>
+            </a:extLst>
+          </a:blip>
+          <a:stretch>
+            <a:fillRect/>
+          </a:stretch>
+        </p:blipFill>
+        <p:spPr>
+          <a:xfrm>
+            <a:off x="7601062" y="511175"/>
+            <a:ext cx="4145242" cy="3230333"/>
+          </a:xfrm>
+          <a:prstGeom prst="rect">
+            <a:avLst/>
+          </a:prstGeom>
+        </p:spPr>
+      </p:pic>
+      <p:sp>
+        <p:nvSpPr>
+          <p:cNvPr id="16" name="CasellaDiTesto 15">
+            <a:extLst>
+              <a:ext uri="{FF2B5EF4-FFF2-40B4-BE49-F238E27FC236}">
+                <a16:creationId xmlns:a16="http://schemas.microsoft.com/office/drawing/2014/main" id="{5659C1DE-7E1A-4BCB-885D-66EAF67F7183}"/>
+              </a:ext>
+            </a:extLst>
+          </p:cNvPr>
+          <p:cNvSpPr txBox="1"/>
+          <p:nvPr/>
+        </p:nvSpPr>
+        <p:spPr>
+          <a:xfrm>
+            <a:off x="3016250" y="3823199"/>
+            <a:ext cx="2597150" cy="369332"/>
+          </a:xfrm>
+          <a:prstGeom prst="rect">
+            <a:avLst/>
+          </a:prstGeom>
+          <a:noFill/>
+        </p:spPr>
+        <p:txBody>
+          <a:bodyPr wrap="square" rtlCol="0">
+            <a:spAutoFit/>
+          </a:bodyPr>
+          <a:lstStyle/>
+          <a:p>
+            <a:r>
+              <a:rPr lang="it-IT" dirty="0"/>
+              <a:t>View</a:t>
+            </a:r>
+          </a:p>
+        </p:txBody>
+      </p:sp>
+      <p:sp>
+        <p:nvSpPr>
+          <p:cNvPr id="17" name="CasellaDiTesto 16">
+            <a:extLst>
+              <a:ext uri="{FF2B5EF4-FFF2-40B4-BE49-F238E27FC236}">
+                <a16:creationId xmlns:a16="http://schemas.microsoft.com/office/drawing/2014/main" id="{B97B6ACA-8D95-4FBF-895D-7C1DA39A0C3D}"/>
+              </a:ext>
+            </a:extLst>
+          </p:cNvPr>
+          <p:cNvSpPr txBox="1"/>
+          <p:nvPr/>
+        </p:nvSpPr>
+        <p:spPr>
+          <a:xfrm>
+            <a:off x="7524862" y="158234"/>
+            <a:ext cx="3168538" cy="369332"/>
+          </a:xfrm>
+          <a:prstGeom prst="rect">
+            <a:avLst/>
+          </a:prstGeom>
+          <a:noFill/>
+        </p:spPr>
+        <p:txBody>
+          <a:bodyPr wrap="square" rtlCol="0">
+            <a:spAutoFit/>
+          </a:bodyPr>
+          <a:lstStyle/>
+          <a:p>
+            <a:r>
+              <a:rPr lang="it-IT" dirty="0"/>
+              <a:t>Model</a:t>
+            </a:r>
+          </a:p>
+        </p:txBody>
+      </p:sp>
+      <p:sp>
+        <p:nvSpPr>
+          <p:cNvPr id="19" name="Segnaposto contenuto 18">
+            <a:extLst>
+              <a:ext uri="{FF2B5EF4-FFF2-40B4-BE49-F238E27FC236}">
+                <a16:creationId xmlns:a16="http://schemas.microsoft.com/office/drawing/2014/main" id="{515E31C8-A9E3-4CF0-9509-14F85D424FEA}"/>
+              </a:ext>
+            </a:extLst>
+          </p:cNvPr>
+          <p:cNvSpPr>
+            <a:spLocks noGrp="1"/>
+          </p:cNvSpPr>
+          <p:nvPr>
+            <p:ph idx="1"/>
+          </p:nvPr>
+        </p:nvSpPr>
+        <p:spPr>
+          <a:xfrm flipH="1" flipV="1">
+            <a:off x="12001500" y="6626224"/>
+            <a:ext cx="50800" cy="79375"/>
+          </a:xfrm>
+        </p:spPr>
+        <p:txBody>
+          <a:bodyPr>
+            <a:normAutofit fontScale="25000" lnSpcReduction="20000"/>
+          </a:bodyPr>
+          <a:lstStyle/>
+          <a:p>
+            <a:r>
+              <a:rPr lang="it-IT" dirty="0"/>
+              <a:t>-</a:t>
+            </a:r>
+          </a:p>
+        </p:txBody>
+      </p:sp>
+      <p:pic>
+        <p:nvPicPr>
+          <p:cNvPr id="23" name="Immagine 22">
+            <a:extLst>
+              <a:ext uri="{FF2B5EF4-FFF2-40B4-BE49-F238E27FC236}">
+                <a16:creationId xmlns:a16="http://schemas.microsoft.com/office/drawing/2014/main" id="{C8194E1B-8F8D-4EA4-91FD-61EB2C948649}"/>
+              </a:ext>
+            </a:extLst>
+          </p:cNvPr>
+          <p:cNvPicPr>
+            <a:picLocks noChangeAspect="1"/>
+          </p:cNvPicPr>
+          <p:nvPr/>
+        </p:nvPicPr>
+        <p:blipFill>
+          <a:blip r:embed="rId5">
+            <a:extLst>
+              <a:ext uri="{28A0092B-C50C-407E-A947-70E740481C1C}">
+                <a14:useLocalDpi xmlns:a14="http://schemas.microsoft.com/office/drawing/2010/main" val="0"/>
+              </a:ext>
+            </a:extLst>
+          </a:blip>
+          <a:stretch>
+            <a:fillRect/>
+          </a:stretch>
+        </p:blipFill>
+        <p:spPr>
+          <a:xfrm>
+            <a:off x="377017" y="342900"/>
+            <a:ext cx="2045905" cy="6429375"/>
+          </a:xfrm>
+          <a:prstGeom prst="rect">
+            <a:avLst/>
+          </a:prstGeom>
+        </p:spPr>
+      </p:pic>
+    </p:spTree>
+    <p:extLst>
+      <p:ext uri="{BB962C8B-B14F-4D97-AF65-F5344CB8AC3E}">
+        <p14:creationId xmlns:p14="http://schemas.microsoft.com/office/powerpoint/2010/main" val="3507129418"/>
+      </p:ext>
+    </p:extLst>
+  </p:cSld>
+  <p:clrMapOvr>
+    <a:masterClrMapping/>
+  </p:clrMapOvr>
+</p:sld>
+</file>
+
+<file path=ppt/slides/slide5.xml><?xml version="1.0" encoding="utf-8"?>
+<p:sld xmlns:a="http://schemas.openxmlformats.org/drawingml/2006/main" xmlns:r="http://schemas.openxmlformats.org/officeDocument/2006/relationships" xmlns:p="http://schemas.openxmlformats.org/presentationml/2006/main">
+  <p:cSld>
+    <p:spTree>
+      <p:nvGrpSpPr>
+        <p:cNvPr id="1" name=""/>
+        <p:cNvGrpSpPr/>
+        <p:nvPr/>
+      </p:nvGrpSpPr>
+      <p:grpSpPr>
+        <a:xfrm>
+          <a:off x="0" y="0"/>
+          <a:ext cx="0" cy="0"/>
+          <a:chOff x="0" y="0"/>
+          <a:chExt cx="0" cy="0"/>
+        </a:xfrm>
+      </p:grpSpPr>
+      <p:sp>
+        <p:nvSpPr>
           <p:cNvPr id="2" name="CasellaDiTesto 1">
             <a:extLst>
               <a:ext uri="{FF2B5EF4-FFF2-40B4-BE49-F238E27FC236}">
@@ -5047,7 +5557,7 @@
 </p:sld>
 </file>
 
-<file path=ppt/slides/slide5.xml><?xml version="1.0" encoding="utf-8"?>
+<file path=ppt/slides/slide6.xml><?xml version="1.0" encoding="utf-8"?>
 <p:sld xmlns:a="http://schemas.openxmlformats.org/drawingml/2006/main" xmlns:r="http://schemas.openxmlformats.org/officeDocument/2006/relationships" xmlns:p="http://schemas.openxmlformats.org/presentationml/2006/main">
   <p:cSld>
     <p:spTree>
@@ -5203,7 +5713,7 @@
 </p:sld>
 </file>
 
-<file path=ppt/slides/slide6.xml><?xml version="1.0" encoding="utf-8"?>
+<file path=ppt/slides/slide7.xml><?xml version="1.0" encoding="utf-8"?>
 <p:sld xmlns:a="http://schemas.openxmlformats.org/drawingml/2006/main" xmlns:r="http://schemas.openxmlformats.org/officeDocument/2006/relationships" xmlns:p="http://schemas.openxmlformats.org/presentationml/2006/main">
   <p:cSld>
     <p:spTree>
@@ -5359,7 +5869,7 @@
 </p:sld>
 </file>
 
-<file path=ppt/slides/slide7.xml><?xml version="1.0" encoding="utf-8"?>
+<file path=ppt/slides/slide8.xml><?xml version="1.0" encoding="utf-8"?>
 <p:sld xmlns:a="http://schemas.openxmlformats.org/drawingml/2006/main" xmlns:r="http://schemas.openxmlformats.org/officeDocument/2006/relationships" xmlns:p="http://schemas.openxmlformats.org/presentationml/2006/main">
   <p:cSld>
     <p:spTree>
@@ -5515,7 +6025,7 @@
 </p:sld>
 </file>
 
-<file path=ppt/slides/slide8.xml><?xml version="1.0" encoding="utf-8"?>
+<file path=ppt/slides/slide9.xml><?xml version="1.0" encoding="utf-8"?>
 <p:sld xmlns:a="http://schemas.openxmlformats.org/drawingml/2006/main" xmlns:r="http://schemas.openxmlformats.org/officeDocument/2006/relationships" xmlns:p="http://schemas.openxmlformats.org/presentationml/2006/main">
   <p:cSld>
     <p:spTree>
@@ -5662,162 +6172,6 @@
     <p:extLst>
       <p:ext uri="{BB962C8B-B14F-4D97-AF65-F5344CB8AC3E}">
         <p14:creationId xmlns:p14="http://schemas.microsoft.com/office/powerpoint/2010/main" val="616984215"/>
-      </p:ext>
-    </p:extLst>
-  </p:cSld>
-  <p:clrMapOvr>
-    <a:masterClrMapping/>
-  </p:clrMapOvr>
-</p:sld>
-</file>
-
-<file path=ppt/slides/slide9.xml><?xml version="1.0" encoding="utf-8"?>
-<p:sld xmlns:a="http://schemas.openxmlformats.org/drawingml/2006/main" xmlns:r="http://schemas.openxmlformats.org/officeDocument/2006/relationships" xmlns:p="http://schemas.openxmlformats.org/presentationml/2006/main">
-  <p:cSld>
-    <p:spTree>
-      <p:nvGrpSpPr>
-        <p:cNvPr id="1" name=""/>
-        <p:cNvGrpSpPr/>
-        <p:nvPr/>
-      </p:nvGrpSpPr>
-      <p:grpSpPr>
-        <a:xfrm>
-          <a:off x="0" y="0"/>
-          <a:ext cx="0" cy="0"/>
-          <a:chOff x="0" y="0"/>
-          <a:chExt cx="0" cy="0"/>
-        </a:xfrm>
-      </p:grpSpPr>
-      <p:sp>
-        <p:nvSpPr>
-          <p:cNvPr id="2" name="CasellaDiTesto 1">
-            <a:extLst>
-              <a:ext uri="{FF2B5EF4-FFF2-40B4-BE49-F238E27FC236}">
-                <a16:creationId xmlns:a16="http://schemas.microsoft.com/office/drawing/2014/main" id="{02CB6C37-A0EA-4F51-AFDD-BA4F96148F2B}"/>
-              </a:ext>
-            </a:extLst>
-          </p:cNvPr>
-          <p:cNvSpPr txBox="1"/>
-          <p:nvPr/>
-        </p:nvSpPr>
-        <p:spPr>
-          <a:xfrm>
-            <a:off x="509528" y="358673"/>
-            <a:ext cx="5950226" cy="369332"/>
-          </a:xfrm>
-          <a:prstGeom prst="rect">
-            <a:avLst/>
-          </a:prstGeom>
-          <a:noFill/>
-        </p:spPr>
-        <p:txBody>
-          <a:bodyPr wrap="square" rtlCol="0">
-            <a:spAutoFit/>
-          </a:bodyPr>
-          <a:lstStyle/>
-          <a:p>
-            <a:r>
-              <a:rPr lang="it-IT" b="1" dirty="0">
-                <a:solidFill>
-                  <a:srgbClr val="FFFF00"/>
-                </a:solidFill>
-              </a:rPr>
-              <a:t>Lista movimenti</a:t>
-            </a:r>
-          </a:p>
-        </p:txBody>
-      </p:sp>
-      <p:sp>
-        <p:nvSpPr>
-          <p:cNvPr id="5" name="CasellaDiTesto 4">
-            <a:extLst>
-              <a:ext uri="{FF2B5EF4-FFF2-40B4-BE49-F238E27FC236}">
-                <a16:creationId xmlns:a16="http://schemas.microsoft.com/office/drawing/2014/main" id="{B22E87BE-E6E2-4AD9-BBB9-2ECC0BEDA635}"/>
-              </a:ext>
-            </a:extLst>
-          </p:cNvPr>
-          <p:cNvSpPr txBox="1"/>
-          <p:nvPr/>
-        </p:nvSpPr>
-        <p:spPr>
-          <a:xfrm>
-            <a:off x="8362122" y="3092369"/>
-            <a:ext cx="3485321" cy="1200329"/>
-          </a:xfrm>
-          <a:prstGeom prst="rect">
-            <a:avLst/>
-          </a:prstGeom>
-          <a:noFill/>
-        </p:spPr>
-        <p:txBody>
-          <a:bodyPr wrap="square" rtlCol="0">
-            <a:spAutoFit/>
-          </a:bodyPr>
-          <a:lstStyle/>
-          <a:p>
-            <a:r>
-              <a:rPr lang="it-IT" dirty="0"/>
-              <a:t>In lista movimenti, vengono visualizzati tutti i prelievi e depositi effettuati da persone o aziende</a:t>
-            </a:r>
-          </a:p>
-        </p:txBody>
-      </p:sp>
-      <p:pic>
-        <p:nvPicPr>
-          <p:cNvPr id="6" name="Immagine 5">
-            <a:extLst>
-              <a:ext uri="{FF2B5EF4-FFF2-40B4-BE49-F238E27FC236}">
-                <a16:creationId xmlns:a16="http://schemas.microsoft.com/office/drawing/2014/main" id="{ABB1E488-EFB9-4B21-992D-A042102D8D97}"/>
-              </a:ext>
-            </a:extLst>
-          </p:cNvPr>
-          <p:cNvPicPr>
-            <a:picLocks noChangeAspect="1"/>
-          </p:cNvPicPr>
-          <p:nvPr/>
-        </p:nvPicPr>
-        <p:blipFill>
-          <a:blip r:embed="rId2">
-            <a:extLst>
-              <a:ext uri="{28A0092B-C50C-407E-A947-70E740481C1C}">
-                <a14:useLocalDpi xmlns:a14="http://schemas.microsoft.com/office/drawing/2010/main" val="0"/>
-              </a:ext>
-            </a:extLst>
-          </a:blip>
-          <a:stretch>
-            <a:fillRect/>
-          </a:stretch>
-        </p:blipFill>
-        <p:spPr>
-          <a:xfrm>
-            <a:off x="456519" y="1710099"/>
-            <a:ext cx="7644637" cy="3964868"/>
-          </a:xfrm>
-          <a:prstGeom prst="round2DiagRect">
-            <a:avLst>
-              <a:gd name="adj1" fmla="val 16667"/>
-              <a:gd name="adj2" fmla="val 0"/>
-            </a:avLst>
-          </a:prstGeom>
-          <a:ln w="88900" cap="sq">
-            <a:solidFill>
-              <a:srgbClr val="FFFFFF"/>
-            </a:solidFill>
-            <a:miter lim="800000"/>
-          </a:ln>
-          <a:effectLst>
-            <a:outerShdw blurRad="254000" algn="tl" rotWithShape="0">
-              <a:srgbClr val="000000">
-                <a:alpha val="43000"/>
-              </a:srgbClr>
-            </a:outerShdw>
-          </a:effectLst>
-        </p:spPr>
-      </p:pic>
-    </p:spTree>
-    <p:extLst>
-      <p:ext uri="{BB962C8B-B14F-4D97-AF65-F5344CB8AC3E}">
-        <p14:creationId xmlns:p14="http://schemas.microsoft.com/office/powerpoint/2010/main" val="266938441"/>
       </p:ext>
     </p:extLst>
   </p:cSld>
